--- a/Dokumen/Desain algoritma dan usulan paper pendukung.pptx
+++ b/Dokumen/Desain algoritma dan usulan paper pendukung.pptx
@@ -261,7 +261,7 @@
           <a:p>
             <a:fld id="{59F07203-B64A-45B3-A4A5-719F9D9F16CE}" type="datetimeFigureOut">
               <a:rPr lang="en-US" smtClean="0"/>
-              <a:t>11/3/2015</a:t>
+              <a:t>11/9/2015</a:t>
             </a:fld>
             <a:endParaRPr lang="en-US"/>
           </a:p>
@@ -431,7 +431,7 @@
           <a:p>
             <a:fld id="{59F07203-B64A-45B3-A4A5-719F9D9F16CE}" type="datetimeFigureOut">
               <a:rPr lang="en-US" smtClean="0"/>
-              <a:t>11/3/2015</a:t>
+              <a:t>11/9/2015</a:t>
             </a:fld>
             <a:endParaRPr lang="en-US"/>
           </a:p>
@@ -611,7 +611,7 @@
           <a:p>
             <a:fld id="{59F07203-B64A-45B3-A4A5-719F9D9F16CE}" type="datetimeFigureOut">
               <a:rPr lang="en-US" smtClean="0"/>
-              <a:t>11/3/2015</a:t>
+              <a:t>11/9/2015</a:t>
             </a:fld>
             <a:endParaRPr lang="en-US"/>
           </a:p>
@@ -781,7 +781,7 @@
           <a:p>
             <a:fld id="{59F07203-B64A-45B3-A4A5-719F9D9F16CE}" type="datetimeFigureOut">
               <a:rPr lang="en-US" smtClean="0"/>
-              <a:t>11/3/2015</a:t>
+              <a:t>11/9/2015</a:t>
             </a:fld>
             <a:endParaRPr lang="en-US"/>
           </a:p>
@@ -1027,7 +1027,7 @@
           <a:p>
             <a:fld id="{59F07203-B64A-45B3-A4A5-719F9D9F16CE}" type="datetimeFigureOut">
               <a:rPr lang="en-US" smtClean="0"/>
-              <a:t>11/3/2015</a:t>
+              <a:t>11/9/2015</a:t>
             </a:fld>
             <a:endParaRPr lang="en-US"/>
           </a:p>
@@ -1259,7 +1259,7 @@
           <a:p>
             <a:fld id="{59F07203-B64A-45B3-A4A5-719F9D9F16CE}" type="datetimeFigureOut">
               <a:rPr lang="en-US" smtClean="0"/>
-              <a:t>11/3/2015</a:t>
+              <a:t>11/9/2015</a:t>
             </a:fld>
             <a:endParaRPr lang="en-US"/>
           </a:p>
@@ -1626,7 +1626,7 @@
           <a:p>
             <a:fld id="{59F07203-B64A-45B3-A4A5-719F9D9F16CE}" type="datetimeFigureOut">
               <a:rPr lang="en-US" smtClean="0"/>
-              <a:t>11/3/2015</a:t>
+              <a:t>11/9/2015</a:t>
             </a:fld>
             <a:endParaRPr lang="en-US"/>
           </a:p>
@@ -1744,7 +1744,7 @@
           <a:p>
             <a:fld id="{59F07203-B64A-45B3-A4A5-719F9D9F16CE}" type="datetimeFigureOut">
               <a:rPr lang="en-US" smtClean="0"/>
-              <a:t>11/3/2015</a:t>
+              <a:t>11/9/2015</a:t>
             </a:fld>
             <a:endParaRPr lang="en-US"/>
           </a:p>
@@ -1839,7 +1839,7 @@
           <a:p>
             <a:fld id="{59F07203-B64A-45B3-A4A5-719F9D9F16CE}" type="datetimeFigureOut">
               <a:rPr lang="en-US" smtClean="0"/>
-              <a:t>11/3/2015</a:t>
+              <a:t>11/9/2015</a:t>
             </a:fld>
             <a:endParaRPr lang="en-US"/>
           </a:p>
@@ -2116,7 +2116,7 @@
           <a:p>
             <a:fld id="{59F07203-B64A-45B3-A4A5-719F9D9F16CE}" type="datetimeFigureOut">
               <a:rPr lang="en-US" smtClean="0"/>
-              <a:t>11/3/2015</a:t>
+              <a:t>11/9/2015</a:t>
             </a:fld>
             <a:endParaRPr lang="en-US"/>
           </a:p>
@@ -2369,7 +2369,7 @@
           <a:p>
             <a:fld id="{59F07203-B64A-45B3-A4A5-719F9D9F16CE}" type="datetimeFigureOut">
               <a:rPr lang="en-US" smtClean="0"/>
-              <a:t>11/3/2015</a:t>
+              <a:t>11/9/2015</a:t>
             </a:fld>
             <a:endParaRPr lang="en-US"/>
           </a:p>
@@ -2582,7 +2582,7 @@
           <a:p>
             <a:fld id="{59F07203-B64A-45B3-A4A5-719F9D9F16CE}" type="datetimeFigureOut">
               <a:rPr lang="en-US" smtClean="0"/>
-              <a:t>11/3/2015</a:t>
+              <a:t>11/9/2015</a:t>
             </a:fld>
             <a:endParaRPr lang="en-US"/>
           </a:p>
@@ -3041,15 +3041,7 @@
           <a:p>
             <a:r>
               <a:rPr lang="en-US" smtClean="0"/>
-              <a:t>Desain </a:t>
-            </a:r>
-            <a:r>
-              <a:rPr lang="en-US" smtClean="0"/>
-              <a:t>algoritma </a:t>
-            </a:r>
-            <a:r>
-              <a:rPr lang="en-US" smtClean="0"/>
-              <a:t>dan usulan paper pendukung</a:t>
+              <a:t>Desain algoritma dan usulan paper pendukung</a:t>
             </a:r>
             <a:endParaRPr lang="en-US"/>
           </a:p>

--- a/Dokumen/Desain algoritma dan usulan paper pendukung.pptx
+++ b/Dokumen/Desain algoritma dan usulan paper pendukung.pptx
@@ -261,7 +261,7 @@
           <a:p>
             <a:fld id="{59F07203-B64A-45B3-A4A5-719F9D9F16CE}" type="datetimeFigureOut">
               <a:rPr lang="en-US" smtClean="0"/>
-              <a:t>11/9/2015</a:t>
+              <a:t>12/15/2015</a:t>
             </a:fld>
             <a:endParaRPr lang="en-US"/>
           </a:p>
@@ -431,7 +431,7 @@
           <a:p>
             <a:fld id="{59F07203-B64A-45B3-A4A5-719F9D9F16CE}" type="datetimeFigureOut">
               <a:rPr lang="en-US" smtClean="0"/>
-              <a:t>11/9/2015</a:t>
+              <a:t>12/15/2015</a:t>
             </a:fld>
             <a:endParaRPr lang="en-US"/>
           </a:p>
@@ -611,7 +611,7 @@
           <a:p>
             <a:fld id="{59F07203-B64A-45B3-A4A5-719F9D9F16CE}" type="datetimeFigureOut">
               <a:rPr lang="en-US" smtClean="0"/>
-              <a:t>11/9/2015</a:t>
+              <a:t>12/15/2015</a:t>
             </a:fld>
             <a:endParaRPr lang="en-US"/>
           </a:p>
@@ -781,7 +781,7 @@
           <a:p>
             <a:fld id="{59F07203-B64A-45B3-A4A5-719F9D9F16CE}" type="datetimeFigureOut">
               <a:rPr lang="en-US" smtClean="0"/>
-              <a:t>11/9/2015</a:t>
+              <a:t>12/15/2015</a:t>
             </a:fld>
             <a:endParaRPr lang="en-US"/>
           </a:p>
@@ -1027,7 +1027,7 @@
           <a:p>
             <a:fld id="{59F07203-B64A-45B3-A4A5-719F9D9F16CE}" type="datetimeFigureOut">
               <a:rPr lang="en-US" smtClean="0"/>
-              <a:t>11/9/2015</a:t>
+              <a:t>12/15/2015</a:t>
             </a:fld>
             <a:endParaRPr lang="en-US"/>
           </a:p>
@@ -1259,7 +1259,7 @@
           <a:p>
             <a:fld id="{59F07203-B64A-45B3-A4A5-719F9D9F16CE}" type="datetimeFigureOut">
               <a:rPr lang="en-US" smtClean="0"/>
-              <a:t>11/9/2015</a:t>
+              <a:t>12/15/2015</a:t>
             </a:fld>
             <a:endParaRPr lang="en-US"/>
           </a:p>
@@ -1626,7 +1626,7 @@
           <a:p>
             <a:fld id="{59F07203-B64A-45B3-A4A5-719F9D9F16CE}" type="datetimeFigureOut">
               <a:rPr lang="en-US" smtClean="0"/>
-              <a:t>11/9/2015</a:t>
+              <a:t>12/15/2015</a:t>
             </a:fld>
             <a:endParaRPr lang="en-US"/>
           </a:p>
@@ -1744,7 +1744,7 @@
           <a:p>
             <a:fld id="{59F07203-B64A-45B3-A4A5-719F9D9F16CE}" type="datetimeFigureOut">
               <a:rPr lang="en-US" smtClean="0"/>
-              <a:t>11/9/2015</a:t>
+              <a:t>12/15/2015</a:t>
             </a:fld>
             <a:endParaRPr lang="en-US"/>
           </a:p>
@@ -1839,7 +1839,7 @@
           <a:p>
             <a:fld id="{59F07203-B64A-45B3-A4A5-719F9D9F16CE}" type="datetimeFigureOut">
               <a:rPr lang="en-US" smtClean="0"/>
-              <a:t>11/9/2015</a:t>
+              <a:t>12/15/2015</a:t>
             </a:fld>
             <a:endParaRPr lang="en-US"/>
           </a:p>
@@ -2116,7 +2116,7 @@
           <a:p>
             <a:fld id="{59F07203-B64A-45B3-A4A5-719F9D9F16CE}" type="datetimeFigureOut">
               <a:rPr lang="en-US" smtClean="0"/>
-              <a:t>11/9/2015</a:t>
+              <a:t>12/15/2015</a:t>
             </a:fld>
             <a:endParaRPr lang="en-US"/>
           </a:p>
@@ -2369,7 +2369,7 @@
           <a:p>
             <a:fld id="{59F07203-B64A-45B3-A4A5-719F9D9F16CE}" type="datetimeFigureOut">
               <a:rPr lang="en-US" smtClean="0"/>
-              <a:t>11/9/2015</a:t>
+              <a:t>12/15/2015</a:t>
             </a:fld>
             <a:endParaRPr lang="en-US"/>
           </a:p>
@@ -2582,7 +2582,7 @@
           <a:p>
             <a:fld id="{59F07203-B64A-45B3-A4A5-719F9D9F16CE}" type="datetimeFigureOut">
               <a:rPr lang="en-US" smtClean="0"/>
-              <a:t>11/9/2015</a:t>
+              <a:t>12/15/2015</a:t>
             </a:fld>
             <a:endParaRPr lang="en-US"/>
           </a:p>
@@ -5516,36 +5516,13 @@
       </p:grpSpPr>
       <p:sp>
         <p:nvSpPr>
-          <p:cNvPr id="2" name="Title 1"/>
-          <p:cNvSpPr>
-            <a:spLocks noGrp="1"/>
-          </p:cNvSpPr>
-          <p:nvPr>
-            <p:ph type="title"/>
-          </p:nvPr>
-        </p:nvSpPr>
-        <p:spPr/>
-        <p:txBody>
-          <a:bodyPr/>
-          <a:lstStyle/>
-          <a:p>
-            <a:r>
-              <a:rPr lang="en-US" smtClean="0"/>
-              <a:t>Proses Cluster Keseluruhan</a:t>
-            </a:r>
-            <a:endParaRPr lang="en-US"/>
-          </a:p>
-        </p:txBody>
-      </p:sp>
-      <p:sp>
-        <p:nvSpPr>
           <p:cNvPr id="4" name="Flowchart: Magnetic Disk 3"/>
           <p:cNvSpPr/>
           <p:nvPr/>
         </p:nvSpPr>
         <p:spPr>
           <a:xfrm>
-            <a:off x="1770646" y="4815969"/>
+            <a:off x="3634536" y="5919292"/>
             <a:ext cx="950495" cy="782052"/>
           </a:xfrm>
           <a:prstGeom prst="flowChartMagneticDisk">
@@ -5587,8 +5564,8 @@
         </p:nvSpPr>
         <p:spPr>
           <a:xfrm>
-            <a:off x="1241257" y="3143830"/>
-            <a:ext cx="2009274" cy="830179"/>
+            <a:off x="3453061" y="2818978"/>
+            <a:ext cx="1313447" cy="830179"/>
           </a:xfrm>
           <a:prstGeom prst="flowChartProcess">
             <a:avLst/>
@@ -5636,8 +5613,8 @@
         </p:nvSpPr>
         <p:spPr>
           <a:xfrm>
-            <a:off x="4138863" y="3143830"/>
-            <a:ext cx="2190714" cy="830179"/>
+            <a:off x="5654841" y="2818978"/>
+            <a:ext cx="1411072" cy="830179"/>
           </a:xfrm>
           <a:prstGeom prst="flowChartProcess">
             <a:avLst/>
@@ -5664,7 +5641,27 @@
             <a:pPr algn="ctr"/>
             <a:r>
               <a:rPr lang="en-US" sz="1400" smtClean="0"/>
-              <a:t>Membangun searching tree</a:t>
+              <a:t>Membangun </a:t>
+            </a:r>
+            <a:r>
+              <a:rPr lang="en-US" sz="1400" i="1"/>
+              <a:t>S</a:t>
+            </a:r>
+            <a:r>
+              <a:rPr lang="en-US" sz="1400" i="1" smtClean="0"/>
+              <a:t>earching </a:t>
+            </a:r>
+            <a:r>
+              <a:rPr lang="en-US" sz="1400" i="1"/>
+              <a:t>T</a:t>
+            </a:r>
+            <a:r>
+              <a:rPr lang="en-US" sz="1400" i="1" smtClean="0"/>
+              <a:t>ree</a:t>
+            </a:r>
+            <a:r>
+              <a:rPr lang="en-US" sz="1400" smtClean="0"/>
+              <a:t/>
             </a:r>
             <a:br>
               <a:rPr lang="en-US" sz="1400" smtClean="0"/>
@@ -5685,7 +5682,7 @@
         </p:nvSpPr>
         <p:spPr>
           <a:xfrm>
-            <a:off x="7321214" y="3143830"/>
+            <a:off x="8837192" y="2818978"/>
             <a:ext cx="2693071" cy="830179"/>
           </a:xfrm>
           <a:prstGeom prst="flowChartProcess">
@@ -5734,7 +5731,7 @@
         </p:nvSpPr>
         <p:spPr>
           <a:xfrm>
-            <a:off x="7321214" y="1690688"/>
+            <a:off x="10571375" y="1482402"/>
             <a:ext cx="950495" cy="782052"/>
           </a:xfrm>
           <a:prstGeom prst="flowChartMagneticDisk">
@@ -5773,14 +5770,14 @@
           <p:cNvPr id="10" name="Straight Arrow Connector 9"/>
           <p:cNvCxnSpPr>
             <a:stCxn id="4" idx="1"/>
-            <a:endCxn id="5" idx="2"/>
+            <a:endCxn id="33" idx="2"/>
           </p:cNvCxnSpPr>
           <p:nvPr/>
         </p:nvCxnSpPr>
         <p:spPr>
           <a:xfrm flipV="1">
-            <a:off x="2245894" y="3974009"/>
-            <a:ext cx="0" cy="841960"/>
+            <a:off x="4109784" y="5199314"/>
+            <a:ext cx="0" cy="719978"/>
           </a:xfrm>
           <a:prstGeom prst="straightConnector1">
             <a:avLst/>
@@ -5815,8 +5812,8 @@
         </p:nvCxnSpPr>
         <p:spPr>
           <a:xfrm>
-            <a:off x="3250531" y="3558920"/>
-            <a:ext cx="888332" cy="0"/>
+            <a:off x="4766508" y="3234068"/>
+            <a:ext cx="888333" cy="0"/>
           </a:xfrm>
           <a:prstGeom prst="straightConnector1">
             <a:avLst/>
@@ -5851,8 +5848,8 @@
         </p:nvCxnSpPr>
         <p:spPr>
           <a:xfrm>
-            <a:off x="6329577" y="3558920"/>
-            <a:ext cx="991637" cy="0"/>
+            <a:off x="7065913" y="3234068"/>
+            <a:ext cx="1771279" cy="0"/>
           </a:xfrm>
           <a:prstGeom prst="straightConnector1">
             <a:avLst/>
@@ -5884,7 +5881,7 @@
         </p:nvSpPr>
         <p:spPr>
           <a:xfrm>
-            <a:off x="3250531" y="3263842"/>
+            <a:off x="4766509" y="2938990"/>
             <a:ext cx="767646" cy="307777"/>
           </a:xfrm>
           <a:prstGeom prst="rect">
@@ -5914,7 +5911,7 @@
         </p:nvSpPr>
         <p:spPr>
           <a:xfrm>
-            <a:off x="3250531" y="3558920"/>
+            <a:off x="4766509" y="3234068"/>
             <a:ext cx="644728" cy="307777"/>
           </a:xfrm>
           <a:prstGeom prst="rect">
@@ -5944,7 +5941,7 @@
         </p:nvSpPr>
         <p:spPr>
           <a:xfrm>
-            <a:off x="7694034" y="4645099"/>
+            <a:off x="9210012" y="4320247"/>
             <a:ext cx="2063450" cy="307777"/>
           </a:xfrm>
           <a:prstGeom prst="rect">
@@ -5974,7 +5971,7 @@
         </p:nvSpPr>
         <p:spPr>
           <a:xfrm>
-            <a:off x="7029429" y="5053106"/>
+            <a:off x="8545407" y="4728254"/>
             <a:ext cx="1329210" cy="307777"/>
           </a:xfrm>
           <a:prstGeom prst="rect">
@@ -5998,19 +5995,23 @@
       </p:sp>
       <p:cxnSp>
         <p:nvCxnSpPr>
-          <p:cNvPr id="24" name="Elbow Connector 23"/>
+          <p:cNvPr id="26" name="Elbow Connector 25"/>
           <p:cNvCxnSpPr>
-            <a:stCxn id="8" idx="2"/>
+            <a:stCxn id="7" idx="3"/>
           </p:cNvCxnSpPr>
           <p:nvPr/>
         </p:nvCxnSpPr>
         <p:spPr>
-          <a:xfrm rot="10800000" flipV="1">
-            <a:off x="6974306" y="2081713"/>
-            <a:ext cx="346909" cy="1477205"/>
-          </a:xfrm>
-          <a:prstGeom prst="bentConnector2">
-            <a:avLst/>
+          <a:xfrm flipH="1">
+            <a:off x="8490283" y="3234068"/>
+            <a:ext cx="3039980" cy="19227"/>
+          </a:xfrm>
+          <a:prstGeom prst="bentConnector5">
+            <a:avLst>
+              <a:gd name="adj1" fmla="val -11478"/>
+              <a:gd name="adj2" fmla="val 7477890"/>
+              <a:gd name="adj3" fmla="val 99835"/>
+            </a:avLst>
           </a:prstGeom>
           <a:ln>
             <a:tailEnd type="triangle"/>
@@ -6031,25 +6032,94 @@
           </a:fontRef>
         </p:style>
       </p:cxnSp>
+      <p:sp>
+        <p:nvSpPr>
+          <p:cNvPr id="40" name="TextBox 39"/>
+          <p:cNvSpPr txBox="1"/>
+          <p:nvPr/>
+        </p:nvSpPr>
+        <p:spPr>
+          <a:xfrm>
+            <a:off x="9946680" y="4728253"/>
+            <a:ext cx="1941557" cy="307777"/>
+          </a:xfrm>
+          <a:prstGeom prst="rect">
+            <a:avLst/>
+          </a:prstGeom>
+          <a:noFill/>
+        </p:spPr>
+        <p:txBody>
+          <a:bodyPr wrap="none" rtlCol="0">
+            <a:spAutoFit/>
+          </a:bodyPr>
+          <a:lstStyle/>
+          <a:p>
+            <a:r>
+              <a:rPr lang="en-US" sz="1400" b="1" i="1" smtClean="0"/>
+              <a:t>Updated Searching tree</a:t>
+            </a:r>
+            <a:endParaRPr lang="en-US" sz="1400" b="1" i="1"/>
+          </a:p>
+        </p:txBody>
+      </p:sp>
+      <p:sp>
+        <p:nvSpPr>
+          <p:cNvPr id="33" name="Flowchart: Process 32"/>
+          <p:cNvSpPr/>
+          <p:nvPr/>
+        </p:nvSpPr>
+        <p:spPr>
+          <a:xfrm>
+            <a:off x="3453060" y="4728253"/>
+            <a:ext cx="1313447" cy="471061"/>
+          </a:xfrm>
+          <a:prstGeom prst="flowChartProcess">
+            <a:avLst/>
+          </a:prstGeom>
+        </p:spPr>
+        <p:style>
+          <a:lnRef idx="2">
+            <a:schemeClr val="dk1"/>
+          </a:lnRef>
+          <a:fillRef idx="1">
+            <a:schemeClr val="lt1"/>
+          </a:fillRef>
+          <a:effectRef idx="0">
+            <a:schemeClr val="dk1"/>
+          </a:effectRef>
+          <a:fontRef idx="minor">
+            <a:schemeClr val="dk1"/>
+          </a:fontRef>
+        </p:style>
+        <p:txBody>
+          <a:bodyPr rtlCol="0" anchor="ctr"/>
+          <a:lstStyle/>
+          <a:p>
+            <a:pPr algn="ctr"/>
+            <a:r>
+              <a:rPr lang="en-US" sz="1400" i="1" smtClean="0"/>
+              <a:t>Pra-processing</a:t>
+            </a:r>
+            <a:endParaRPr lang="en-US" sz="1400" i="1"/>
+          </a:p>
+        </p:txBody>
+      </p:sp>
       <p:cxnSp>
         <p:nvCxnSpPr>
-          <p:cNvPr id="26" name="Elbow Connector 25"/>
+          <p:cNvPr id="38" name="Straight Arrow Connector 37"/>
           <p:cNvCxnSpPr>
-            <a:stCxn id="7" idx="3"/>
+            <a:stCxn id="33" idx="0"/>
+            <a:endCxn id="5" idx="2"/>
           </p:cNvCxnSpPr>
           <p:nvPr/>
         </p:nvCxnSpPr>
         <p:spPr>
-          <a:xfrm flipH="1">
-            <a:off x="6974305" y="3558920"/>
-            <a:ext cx="3039980" cy="19227"/>
-          </a:xfrm>
-          <a:prstGeom prst="bentConnector5">
-            <a:avLst>
-              <a:gd name="adj1" fmla="val -11478"/>
-              <a:gd name="adj2" fmla="val 7477890"/>
-              <a:gd name="adj3" fmla="val 99835"/>
-            </a:avLst>
+          <a:xfrm flipV="1">
+            <a:off x="4109784" y="3649157"/>
+            <a:ext cx="1" cy="1079096"/>
+          </a:xfrm>
+          <a:prstGeom prst="straightConnector1">
+            <a:avLst/>
           </a:prstGeom>
           <a:ln>
             <a:tailEnd type="triangle"/>
@@ -6072,14 +6142,14 @@
       </p:cxnSp>
       <p:sp>
         <p:nvSpPr>
-          <p:cNvPr id="40" name="TextBox 39"/>
+          <p:cNvPr id="41" name="TextBox 40"/>
           <p:cNvSpPr txBox="1"/>
           <p:nvPr/>
         </p:nvSpPr>
         <p:spPr>
           <a:xfrm>
-            <a:off x="8430702" y="5053105"/>
-            <a:ext cx="1941557" cy="307777"/>
+            <a:off x="4109783" y="4134363"/>
+            <a:ext cx="1520288" cy="307777"/>
           </a:xfrm>
           <a:prstGeom prst="rect">
             <a:avLst/>
@@ -6094,12 +6164,155 @@
           <a:p>
             <a:r>
               <a:rPr lang="en-US" sz="1400" b="1" i="1" smtClean="0"/>
-              <a:t>Updated Searching tree</a:t>
+              <a:t>Values of features</a:t>
             </a:r>
             <a:endParaRPr lang="en-US" sz="1400" b="1" i="1"/>
           </a:p>
         </p:txBody>
       </p:sp>
+      <p:sp>
+        <p:nvSpPr>
+          <p:cNvPr id="43" name="Flowchart: Process 42"/>
+          <p:cNvSpPr/>
+          <p:nvPr/>
+        </p:nvSpPr>
+        <p:spPr>
+          <a:xfrm>
+            <a:off x="7833559" y="1637898"/>
+            <a:ext cx="1313447" cy="471061"/>
+          </a:xfrm>
+          <a:prstGeom prst="flowChartProcess">
+            <a:avLst/>
+          </a:prstGeom>
+        </p:spPr>
+        <p:style>
+          <a:lnRef idx="2">
+            <a:schemeClr val="dk1"/>
+          </a:lnRef>
+          <a:fillRef idx="1">
+            <a:schemeClr val="lt1"/>
+          </a:fillRef>
+          <a:effectRef idx="0">
+            <a:schemeClr val="dk1"/>
+          </a:effectRef>
+          <a:fontRef idx="minor">
+            <a:schemeClr val="dk1"/>
+          </a:fontRef>
+        </p:style>
+        <p:txBody>
+          <a:bodyPr rtlCol="0" anchor="ctr"/>
+          <a:lstStyle/>
+          <a:p>
+            <a:pPr algn="ctr"/>
+            <a:r>
+              <a:rPr lang="en-US" sz="1400" i="1" smtClean="0"/>
+              <a:t>Pra-processing</a:t>
+            </a:r>
+            <a:endParaRPr lang="en-US" sz="1400" i="1"/>
+          </a:p>
+        </p:txBody>
+      </p:sp>
+      <p:cxnSp>
+        <p:nvCxnSpPr>
+          <p:cNvPr id="48" name="Straight Arrow Connector 47"/>
+          <p:cNvCxnSpPr>
+            <a:stCxn id="43" idx="2"/>
+          </p:cNvCxnSpPr>
+          <p:nvPr/>
+        </p:nvCxnSpPr>
+        <p:spPr>
+          <a:xfrm flipH="1">
+            <a:off x="8490282" y="2108959"/>
+            <a:ext cx="1" cy="1144336"/>
+          </a:xfrm>
+          <a:prstGeom prst="straightConnector1">
+            <a:avLst/>
+          </a:prstGeom>
+          <a:ln>
+            <a:tailEnd type="triangle"/>
+          </a:ln>
+        </p:spPr>
+        <p:style>
+          <a:lnRef idx="1">
+            <a:schemeClr val="dk1"/>
+          </a:lnRef>
+          <a:fillRef idx="0">
+            <a:schemeClr val="dk1"/>
+          </a:fillRef>
+          <a:effectRef idx="0">
+            <a:schemeClr val="dk1"/>
+          </a:effectRef>
+          <a:fontRef idx="minor">
+            <a:schemeClr val="tx1"/>
+          </a:fontRef>
+        </p:style>
+      </p:cxnSp>
+      <p:sp>
+        <p:nvSpPr>
+          <p:cNvPr id="54" name="TextBox 53"/>
+          <p:cNvSpPr txBox="1"/>
+          <p:nvPr/>
+        </p:nvSpPr>
+        <p:spPr>
+          <a:xfrm>
+            <a:off x="8449868" y="2242706"/>
+            <a:ext cx="1520288" cy="307777"/>
+          </a:xfrm>
+          <a:prstGeom prst="rect">
+            <a:avLst/>
+          </a:prstGeom>
+          <a:noFill/>
+        </p:spPr>
+        <p:txBody>
+          <a:bodyPr wrap="none" rtlCol="0">
+            <a:spAutoFit/>
+          </a:bodyPr>
+          <a:lstStyle/>
+          <a:p>
+            <a:r>
+              <a:rPr lang="en-US" sz="1400" b="1" i="1" smtClean="0"/>
+              <a:t>Values of features</a:t>
+            </a:r>
+            <a:endParaRPr lang="en-US" sz="1400" b="1" i="1"/>
+          </a:p>
+        </p:txBody>
+      </p:sp>
+      <p:cxnSp>
+        <p:nvCxnSpPr>
+          <p:cNvPr id="59" name="Straight Arrow Connector 58"/>
+          <p:cNvCxnSpPr>
+            <a:stCxn id="8" idx="2"/>
+            <a:endCxn id="43" idx="3"/>
+          </p:cNvCxnSpPr>
+          <p:nvPr/>
+        </p:nvCxnSpPr>
+        <p:spPr>
+          <a:xfrm flipH="1">
+            <a:off x="9147006" y="1873428"/>
+            <a:ext cx="1424369" cy="1"/>
+          </a:xfrm>
+          <a:prstGeom prst="straightConnector1">
+            <a:avLst/>
+          </a:prstGeom>
+          <a:ln>
+            <a:tailEnd type="triangle"/>
+          </a:ln>
+        </p:spPr>
+        <p:style>
+          <a:lnRef idx="1">
+            <a:schemeClr val="dk1"/>
+          </a:lnRef>
+          <a:fillRef idx="0">
+            <a:schemeClr val="dk1"/>
+          </a:fillRef>
+          <a:effectRef idx="0">
+            <a:schemeClr val="dk1"/>
+          </a:effectRef>
+          <a:fontRef idx="minor">
+            <a:schemeClr val="tx1"/>
+          </a:fontRef>
+        </p:style>
+      </p:cxnSp>
     </p:spTree>
     <p:extLst>
       <p:ext uri="{BB962C8B-B14F-4D97-AF65-F5344CB8AC3E}">
